--- a/bootstrap/강의 정리.pptx
+++ b/bootstrap/강의 정리.pptx
@@ -14,7 +14,6 @@
     <p:sldId id="267" r:id="rId8"/>
     <p:sldId id="269" r:id="rId9"/>
     <p:sldId id="270" r:id="rId10"/>
-    <p:sldId id="275" r:id="rId11"/>
   </p:sldIdLst>
   <p:sldSz cx="12192000" cy="6858000"/>
   <p:notesSz cx="6858000" cy="9144000"/>
@@ -3038,161 +3037,6 @@
 </p:sld>
 </file>
 
-<file path=ppt/slides/slide10.xml><?xml version="1.0" encoding="utf-8"?>
-<p:sld xmlns:a="http://schemas.openxmlformats.org/drawingml/2006/main" xmlns:r="http://schemas.openxmlformats.org/officeDocument/2006/relationships" xmlns:p="http://schemas.openxmlformats.org/presentationml/2006/main">
-  <p:cSld>
-    <p:spTree>
-      <p:nvGrpSpPr>
-        <p:cNvPr id="1" name=""/>
-        <p:cNvGrpSpPr/>
-        <p:nvPr/>
-      </p:nvGrpSpPr>
-      <p:grpSpPr>
-        <a:xfrm>
-          <a:off x="0" y="0"/>
-          <a:ext cx="0" cy="0"/>
-          <a:chOff x="0" y="0"/>
-          <a:chExt cx="0" cy="0"/>
-        </a:xfrm>
-      </p:grpSpPr>
-      <p:sp>
-        <p:nvSpPr>
-          <p:cNvPr id="11" name="모서리가 둥근 직사각형 10"/>
-          <p:cNvSpPr/>
-          <p:nvPr/>
-        </p:nvSpPr>
-        <p:spPr>
-          <a:xfrm>
-            <a:off x="0" y="0"/>
-            <a:ext cx="12192000" cy="483326"/>
-          </a:xfrm>
-          <a:prstGeom prst="roundRect">
-            <a:avLst/>
-          </a:prstGeom>
-          <a:solidFill>
-            <a:schemeClr val="accent3">
-              <a:lumMod val="20000"/>
-              <a:lumOff val="80000"/>
-            </a:schemeClr>
-          </a:solidFill>
-          <a:ln>
-            <a:solidFill>
-              <a:schemeClr val="bg1"/>
-            </a:solidFill>
-          </a:ln>
-        </p:spPr>
-        <p:style>
-          <a:lnRef idx="2">
-            <a:schemeClr val="accent1">
-              <a:shade val="50000"/>
-            </a:schemeClr>
-          </a:lnRef>
-          <a:fillRef idx="1">
-            <a:schemeClr val="accent1"/>
-          </a:fillRef>
-          <a:effectRef idx="0">
-            <a:schemeClr val="accent1"/>
-          </a:effectRef>
-          <a:fontRef idx="minor">
-            <a:schemeClr val="lt1"/>
-          </a:fontRef>
-        </p:style>
-        <p:txBody>
-          <a:bodyPr rtlCol="0" anchor="ctr"/>
-          <a:lstStyle/>
-          <a:p>
-            <a:r>
-              <a:rPr lang="ko-KR" altLang="en-US" smtClean="0">
-                <a:solidFill>
-                  <a:sysClr val="windowText" lastClr="000000"/>
-                </a:solidFill>
-              </a:rPr>
-              <a:t>실습</a:t>
-            </a:r>
-            <a:r>
-              <a:rPr lang="en-US" altLang="ko-KR" smtClean="0">
-                <a:solidFill>
-                  <a:sysClr val="windowText" lastClr="000000"/>
-                </a:solidFill>
-              </a:rPr>
-              <a:t>3</a:t>
-            </a:r>
-            <a:endParaRPr lang="ko-KR" altLang="en-US">
-              <a:solidFill>
-                <a:sysClr val="windowText" lastClr="000000"/>
-              </a:solidFill>
-            </a:endParaRPr>
-          </a:p>
-        </p:txBody>
-      </p:sp>
-      <p:pic>
-        <p:nvPicPr>
-          <p:cNvPr id="2" name="그림 1"/>
-          <p:cNvPicPr>
-            <a:picLocks noChangeAspect="1"/>
-          </p:cNvPicPr>
-          <p:nvPr/>
-        </p:nvPicPr>
-        <p:blipFill>
-          <a:blip r:embed="rId2"/>
-          <a:stretch>
-            <a:fillRect/>
-          </a:stretch>
-        </p:blipFill>
-        <p:spPr>
-          <a:xfrm>
-            <a:off x="0" y="483326"/>
-            <a:ext cx="6049189" cy="4824229"/>
-          </a:xfrm>
-          <a:prstGeom prst="rect">
-            <a:avLst/>
-          </a:prstGeom>
-        </p:spPr>
-      </p:pic>
-      <p:pic>
-        <p:nvPicPr>
-          <p:cNvPr id="3" name="그림 2"/>
-          <p:cNvPicPr>
-            <a:picLocks noChangeAspect="1"/>
-          </p:cNvPicPr>
-          <p:nvPr/>
-        </p:nvPicPr>
-        <p:blipFill>
-          <a:blip r:embed="rId3"/>
-          <a:stretch>
-            <a:fillRect/>
-          </a:stretch>
-        </p:blipFill>
-        <p:spPr>
-          <a:xfrm>
-            <a:off x="6080370" y="483325"/>
-            <a:ext cx="6111630" cy="4824229"/>
-          </a:xfrm>
-          <a:prstGeom prst="rect">
-            <a:avLst/>
-          </a:prstGeom>
-        </p:spPr>
-      </p:pic>
-    </p:spTree>
-    <p:extLst>
-      <p:ext uri="{BB962C8B-B14F-4D97-AF65-F5344CB8AC3E}">
-        <p14:creationId xmlns:p14="http://schemas.microsoft.com/office/powerpoint/2010/main" val="1009727215"/>
-      </p:ext>
-    </p:extLst>
-  </p:cSld>
-  <p:clrMapOvr>
-    <a:masterClrMapping/>
-  </p:clrMapOvr>
-  <p:timing>
-    <p:tnLst>
-      <p:par>
-        <p:cTn id="1" dur="indefinite" restart="never" nodeType="tmRoot"/>
-      </p:par>
-    </p:tnLst>
-  </p:timing>
-</p:sld>
-</file>
-
 <file path=ppt/slides/slide2.xml><?xml version="1.0" encoding="utf-8"?>
 <p:sld xmlns:a="http://schemas.openxmlformats.org/drawingml/2006/main" xmlns:r="http://schemas.openxmlformats.org/officeDocument/2006/relationships" xmlns:p="http://schemas.openxmlformats.org/presentationml/2006/main">
   <p:cSld>
@@ -3747,8 +3591,8 @@
         </p:blipFill>
         <p:spPr>
           <a:xfrm>
-            <a:off x="6526811" y="483325"/>
-            <a:ext cx="5566610" cy="4600851"/>
+            <a:off x="6477521" y="483325"/>
+            <a:ext cx="5665189" cy="4600851"/>
           </a:xfrm>
           <a:prstGeom prst="rect">
             <a:avLst/>
@@ -3792,30 +3636,6 @@
           <a:chExt cx="0" cy="0"/>
         </a:xfrm>
       </p:grpSpPr>
-      <p:pic>
-        <p:nvPicPr>
-          <p:cNvPr id="4" name="그림 3"/>
-          <p:cNvPicPr>
-            <a:picLocks noChangeAspect="1"/>
-          </p:cNvPicPr>
-          <p:nvPr/>
-        </p:nvPicPr>
-        <p:blipFill>
-          <a:blip r:embed="rId2"/>
-          <a:stretch>
-            <a:fillRect/>
-          </a:stretch>
-        </p:blipFill>
-        <p:spPr>
-          <a:xfrm>
-            <a:off x="5447323" y="1618678"/>
-            <a:ext cx="6660906" cy="5204307"/>
-          </a:xfrm>
-          <a:prstGeom prst="rect">
-            <a:avLst/>
-          </a:prstGeom>
-        </p:spPr>
-      </p:pic>
       <p:sp>
         <p:nvSpPr>
           <p:cNvPr id="5" name="모서리가 둥근 직사각형 4"/>
@@ -3863,20 +3683,36 @@
           <a:lstStyle/>
           <a:p>
             <a:r>
-              <a:rPr lang="en-US" altLang="ko-KR" smtClean="0">
+              <a:rPr lang="ko-KR" altLang="en-US">
                 <a:solidFill>
                   <a:sysClr val="windowText" lastClr="000000"/>
                 </a:solidFill>
               </a:rPr>
-              <a:t>media </a:t>
-            </a:r>
-            <a:r>
-              <a:rPr lang="ko-KR" altLang="en-US" smtClean="0">
+              <a:t>이클립스 설치</a:t>
+            </a:r>
+            <a:r>
+              <a:rPr lang="en-US" altLang="ko-KR">
                 <a:solidFill>
                   <a:sysClr val="windowText" lastClr="000000"/>
                 </a:solidFill>
               </a:rPr>
-              <a:t>타입으로 반응형 웹페이지 실습</a:t>
+              <a:t>(Dynamic Web Project </a:t>
+            </a:r>
+            <a:r>
+              <a:rPr lang="ko-KR" altLang="en-US">
+                <a:solidFill>
+                  <a:sysClr val="windowText" lastClr="000000"/>
+                </a:solidFill>
+              </a:rPr>
+              <a:t>생성</a:t>
+            </a:r>
+            <a:r>
+              <a:rPr lang="en-US" altLang="ko-KR">
+                <a:solidFill>
+                  <a:sysClr val="windowText" lastClr="000000"/>
+                </a:solidFill>
+              </a:rPr>
+              <a:t>)</a:t>
             </a:r>
             <a:endParaRPr lang="ko-KR" altLang="en-US">
               <a:solidFill>
@@ -3888,174 +3724,31 @@
       </p:sp>
       <p:pic>
         <p:nvPicPr>
-          <p:cNvPr id="6" name="그림 5"/>
+          <p:cNvPr id="2" name="그림 1"/>
           <p:cNvPicPr>
             <a:picLocks noChangeAspect="1"/>
           </p:cNvPicPr>
           <p:nvPr/>
         </p:nvPicPr>
         <p:blipFill>
-          <a:blip r:embed="rId3"/>
+          <a:blip r:embed="rId2"/>
           <a:stretch>
             <a:fillRect/>
           </a:stretch>
         </p:blipFill>
         <p:spPr>
           <a:xfrm>
-            <a:off x="-69849" y="3085479"/>
-            <a:ext cx="5048250" cy="3676650"/>
+            <a:off x="0" y="483326"/>
+            <a:ext cx="6577893" cy="4469673"/>
           </a:xfrm>
           <a:prstGeom prst="rect">
             <a:avLst/>
           </a:prstGeom>
-        </p:spPr>
-      </p:pic>
-      <p:sp>
-        <p:nvSpPr>
-          <p:cNvPr id="7" name="오른쪽 화살표 6"/>
-          <p:cNvSpPr/>
-          <p:nvPr/>
-        </p:nvSpPr>
-        <p:spPr>
-          <a:xfrm>
-            <a:off x="5056554" y="4923804"/>
-            <a:ext cx="312615" cy="267321"/>
-          </a:xfrm>
-          <a:prstGeom prst="rightArrow">
-            <a:avLst/>
-          </a:prstGeom>
-        </p:spPr>
-        <p:style>
-          <a:lnRef idx="2">
-            <a:schemeClr val="accent1">
-              <a:shade val="50000"/>
-            </a:schemeClr>
-          </a:lnRef>
-          <a:fillRef idx="1">
-            <a:schemeClr val="accent1"/>
-          </a:fillRef>
-          <a:effectRef idx="0">
-            <a:schemeClr val="accent1"/>
-          </a:effectRef>
-          <a:fontRef idx="minor">
-            <a:schemeClr val="lt1"/>
-          </a:fontRef>
-        </p:style>
-        <p:txBody>
-          <a:bodyPr rtlCol="0" anchor="ctr"/>
-          <a:lstStyle/>
-          <a:p>
-            <a:pPr algn="ctr"/>
-            <a:endParaRPr lang="ko-KR" altLang="en-US">
-              <a:ln>
-                <a:solidFill>
-                  <a:sysClr val="windowText" lastClr="000000"/>
-                </a:solidFill>
-              </a:ln>
-            </a:endParaRPr>
-          </a:p>
-        </p:txBody>
-      </p:sp>
-      <p:sp>
-        <p:nvSpPr>
-          <p:cNvPr id="8" name="TextBox 7"/>
-          <p:cNvSpPr txBox="1"/>
-          <p:nvPr/>
-        </p:nvSpPr>
-        <p:spPr>
-          <a:xfrm>
-            <a:off x="940944" y="2744472"/>
-            <a:ext cx="3026664" cy="276999"/>
-          </a:xfrm>
-          <a:prstGeom prst="rect">
-            <a:avLst/>
-          </a:prstGeom>
-          <a:noFill/>
-        </p:spPr>
-        <p:txBody>
-          <a:bodyPr wrap="square" rtlCol="0">
-            <a:spAutoFit/>
-          </a:bodyPr>
-          <a:lstStyle/>
-          <a:p>
-            <a:pPr algn="ctr"/>
-            <a:r>
-              <a:rPr lang="ko-KR" altLang="en-US" sz="1200" b="1" smtClean="0"/>
-              <a:t>가로 길이 </a:t>
-            </a:r>
-            <a:r>
-              <a:rPr lang="en-US" altLang="ko-KR" sz="1200" b="1" smtClean="0"/>
-              <a:t>600px</a:t>
-            </a:r>
-            <a:r>
-              <a:rPr lang="ko-KR" altLang="en-US" sz="1200" b="1" smtClean="0"/>
-              <a:t>일때</a:t>
-            </a:r>
-            <a:endParaRPr lang="ko-KR" altLang="en-US" sz="1200" b="1"/>
-          </a:p>
-        </p:txBody>
-      </p:sp>
-      <p:sp>
-        <p:nvSpPr>
-          <p:cNvPr id="9" name="TextBox 8"/>
-          <p:cNvSpPr txBox="1"/>
-          <p:nvPr/>
-        </p:nvSpPr>
-        <p:spPr>
-          <a:xfrm>
-            <a:off x="7264444" y="1281715"/>
-            <a:ext cx="3026664" cy="276999"/>
-          </a:xfrm>
-          <a:prstGeom prst="rect">
-            <a:avLst/>
-          </a:prstGeom>
-          <a:noFill/>
-        </p:spPr>
-        <p:txBody>
-          <a:bodyPr wrap="square" rtlCol="0">
-            <a:spAutoFit/>
-          </a:bodyPr>
-          <a:lstStyle/>
-          <a:p>
-            <a:pPr algn="ctr"/>
-            <a:r>
-              <a:rPr lang="ko-KR" altLang="en-US" sz="1200" b="1" smtClean="0"/>
-              <a:t>가로 길이 </a:t>
-            </a:r>
-            <a:r>
-              <a:rPr lang="en-US" altLang="ko-KR" sz="1200" b="1" smtClean="0"/>
-              <a:t>1280px</a:t>
-            </a:r>
-            <a:r>
-              <a:rPr lang="ko-KR" altLang="en-US" sz="1200" b="1" smtClean="0"/>
-              <a:t>일때</a:t>
-            </a:r>
-            <a:endParaRPr lang="ko-KR" altLang="en-US" sz="1200" b="1"/>
-          </a:p>
-        </p:txBody>
-      </p:sp>
-      <p:pic>
-        <p:nvPicPr>
-          <p:cNvPr id="10" name="그림 9"/>
-          <p:cNvPicPr>
-            <a:picLocks noChangeAspect="1"/>
-          </p:cNvPicPr>
-          <p:nvPr/>
-        </p:nvPicPr>
-        <p:blipFill>
-          <a:blip r:embed="rId4"/>
-          <a:stretch>
-            <a:fillRect/>
-          </a:stretch>
-        </p:blipFill>
-        <p:spPr>
-          <a:xfrm>
-            <a:off x="0" y="525252"/>
-            <a:ext cx="3152775" cy="2066925"/>
-          </a:xfrm>
-          <a:prstGeom prst="rect">
-            <a:avLst/>
-          </a:prstGeom>
+          <a:ln>
+            <a:solidFill>
+              <a:schemeClr val="accent1"/>
+            </a:solidFill>
+          </a:ln>
         </p:spPr>
       </p:pic>
     </p:spTree>
@@ -4135,20 +3828,36 @@
           <a:lstStyle/>
           <a:p>
             <a:r>
-              <a:rPr lang="ko-KR" altLang="en-US" smtClean="0">
+              <a:rPr lang="ko-KR" altLang="en-US">
                 <a:solidFill>
                   <a:sysClr val="windowText" lastClr="000000"/>
                 </a:solidFill>
               </a:rPr>
-              <a:t>실습</a:t>
-            </a:r>
-            <a:r>
-              <a:rPr lang="en-US" altLang="ko-KR" smtClean="0">
+              <a:t>이클립스 설치</a:t>
+            </a:r>
+            <a:r>
+              <a:rPr lang="en-US" altLang="ko-KR">
                 <a:solidFill>
                   <a:sysClr val="windowText" lastClr="000000"/>
                 </a:solidFill>
               </a:rPr>
-              <a:t>1</a:t>
+              <a:t>(Dynamic Web Project </a:t>
+            </a:r>
+            <a:r>
+              <a:rPr lang="ko-KR" altLang="en-US">
+                <a:solidFill>
+                  <a:sysClr val="windowText" lastClr="000000"/>
+                </a:solidFill>
+              </a:rPr>
+              <a:t>생성</a:t>
+            </a:r>
+            <a:r>
+              <a:rPr lang="en-US" altLang="ko-KR">
+                <a:solidFill>
+                  <a:sysClr val="windowText" lastClr="000000"/>
+                </a:solidFill>
+              </a:rPr>
+              <a:t>)</a:t>
             </a:r>
             <a:endParaRPr lang="ko-KR" altLang="en-US">
               <a:solidFill>
@@ -4160,7 +3869,7 @@
       </p:sp>
       <p:pic>
         <p:nvPicPr>
-          <p:cNvPr id="2" name="그림 1"/>
+          <p:cNvPr id="4" name="그림 3"/>
           <p:cNvPicPr>
             <a:picLocks noChangeAspect="1"/>
           </p:cNvPicPr>
@@ -4175,43 +3884,16 @@
         <p:spPr>
           <a:xfrm>
             <a:off x="0" y="483326"/>
-            <a:ext cx="5813418" cy="4737768"/>
+            <a:ext cx="6486525" cy="4849012"/>
           </a:xfrm>
           <a:prstGeom prst="rect">
             <a:avLst/>
           </a:prstGeom>
           <a:ln>
             <a:solidFill>
-              <a:schemeClr val="tx1">
-                <a:lumMod val="95000"/>
-                <a:lumOff val="5000"/>
-              </a:schemeClr>
+              <a:schemeClr val="accent1"/>
             </a:solidFill>
           </a:ln>
-        </p:spPr>
-      </p:pic>
-      <p:pic>
-        <p:nvPicPr>
-          <p:cNvPr id="8" name="그림 7"/>
-          <p:cNvPicPr>
-            <a:picLocks noChangeAspect="1"/>
-          </p:cNvPicPr>
-          <p:nvPr/>
-        </p:nvPicPr>
-        <p:blipFill>
-          <a:blip r:embed="rId3"/>
-          <a:stretch>
-            <a:fillRect/>
-          </a:stretch>
-        </p:blipFill>
-        <p:spPr>
-          <a:xfrm>
-            <a:off x="5954709" y="483326"/>
-            <a:ext cx="6096000" cy="4737768"/>
-          </a:xfrm>
-          <a:prstGeom prst="rect">
-            <a:avLst/>
-          </a:prstGeom>
         </p:spPr>
       </p:pic>
     </p:spTree>
@@ -4298,20 +3980,36 @@
           <a:lstStyle/>
           <a:p>
             <a:r>
-              <a:rPr lang="ko-KR" altLang="en-US" smtClean="0">
+              <a:rPr lang="ko-KR" altLang="en-US">
                 <a:solidFill>
                   <a:sysClr val="windowText" lastClr="000000"/>
                 </a:solidFill>
               </a:rPr>
-              <a:t>실습</a:t>
-            </a:r>
-            <a:r>
-              <a:rPr lang="en-US" altLang="ko-KR" smtClean="0">
+              <a:t>이클립스 설치</a:t>
+            </a:r>
+            <a:r>
+              <a:rPr lang="en-US" altLang="ko-KR">
                 <a:solidFill>
                   <a:sysClr val="windowText" lastClr="000000"/>
                 </a:solidFill>
               </a:rPr>
-              <a:t>2</a:t>
+              <a:t>(Dynamic Web Project </a:t>
+            </a:r>
+            <a:r>
+              <a:rPr lang="ko-KR" altLang="en-US">
+                <a:solidFill>
+                  <a:sysClr val="windowText" lastClr="000000"/>
+                </a:solidFill>
+              </a:rPr>
+              <a:t>생성</a:t>
+            </a:r>
+            <a:r>
+              <a:rPr lang="en-US" altLang="ko-KR">
+                <a:solidFill>
+                  <a:sysClr val="windowText" lastClr="000000"/>
+                </a:solidFill>
+              </a:rPr>
+              <a:t>)</a:t>
             </a:r>
             <a:endParaRPr lang="ko-KR" altLang="en-US">
               <a:solidFill>
@@ -4319,11 +4017,18 @@
               </a:solidFill>
             </a:endParaRPr>
           </a:p>
+          <a:p>
+            <a:endParaRPr lang="ko-KR" altLang="en-US">
+              <a:solidFill>
+                <a:sysClr val="windowText" lastClr="000000"/>
+              </a:solidFill>
+            </a:endParaRPr>
+          </a:p>
         </p:txBody>
       </p:sp>
       <p:pic>
         <p:nvPicPr>
-          <p:cNvPr id="4" name="그림 3"/>
+          <p:cNvPr id="2" name="그림 1"/>
           <p:cNvPicPr>
             <a:picLocks noChangeAspect="1"/>
           </p:cNvPicPr>
@@ -4337,25 +4042,17 @@
         </p:blipFill>
         <p:spPr>
           <a:xfrm>
-            <a:off x="39074" y="483326"/>
-            <a:ext cx="5990613" cy="4698274"/>
+            <a:off x="0" y="483326"/>
+            <a:ext cx="5389446" cy="2517049"/>
           </a:xfrm>
           <a:prstGeom prst="rect">
             <a:avLst/>
           </a:prstGeom>
-          <a:ln>
-            <a:solidFill>
-              <a:schemeClr val="tx1">
-                <a:lumMod val="95000"/>
-                <a:lumOff val="5000"/>
-              </a:schemeClr>
-            </a:solidFill>
-          </a:ln>
         </p:spPr>
       </p:pic>
       <p:pic>
         <p:nvPicPr>
-          <p:cNvPr id="5" name="그림 4"/>
+          <p:cNvPr id="6" name="그림 5"/>
           <p:cNvPicPr>
             <a:picLocks noChangeAspect="1"/>
           </p:cNvPicPr>
@@ -4369,14 +4066,59 @@
         </p:blipFill>
         <p:spPr>
           <a:xfrm>
-            <a:off x="6029687" y="483326"/>
-            <a:ext cx="6099787" cy="4698274"/>
+            <a:off x="6200775" y="483326"/>
+            <a:ext cx="5292998" cy="5934075"/>
           </a:xfrm>
           <a:prstGeom prst="rect">
             <a:avLst/>
           </a:prstGeom>
         </p:spPr>
       </p:pic>
+      <p:sp>
+        <p:nvSpPr>
+          <p:cNvPr id="7" name="오른쪽 화살표 6"/>
+          <p:cNvSpPr/>
+          <p:nvPr/>
+        </p:nvSpPr>
+        <p:spPr>
+          <a:xfrm>
+            <a:off x="5609373" y="1613263"/>
+            <a:ext cx="371475" cy="257175"/>
+          </a:xfrm>
+          <a:prstGeom prst="rightArrow">
+            <a:avLst/>
+          </a:prstGeom>
+          <a:ln>
+            <a:solidFill>
+              <a:srgbClr val="FF0000"/>
+            </a:solidFill>
+          </a:ln>
+        </p:spPr>
+        <p:style>
+          <a:lnRef idx="2">
+            <a:schemeClr val="accent1">
+              <a:shade val="50000"/>
+            </a:schemeClr>
+          </a:lnRef>
+          <a:fillRef idx="1">
+            <a:schemeClr val="accent1"/>
+          </a:fillRef>
+          <a:effectRef idx="0">
+            <a:schemeClr val="accent1"/>
+          </a:effectRef>
+          <a:fontRef idx="minor">
+            <a:schemeClr val="lt1"/>
+          </a:fontRef>
+        </p:style>
+        <p:txBody>
+          <a:bodyPr rtlCol="0" anchor="ctr"/>
+          <a:lstStyle/>
+          <a:p>
+            <a:pPr algn="ctr"/>
+            <a:endParaRPr lang="ko-KR" altLang="en-US"/>
+          </a:p>
+        </p:txBody>
+      </p:sp>
     </p:spTree>
     <p:extLst>
       <p:ext uri="{BB962C8B-B14F-4D97-AF65-F5344CB8AC3E}">
@@ -4461,47 +4203,73 @@
           <a:lstStyle/>
           <a:p>
             <a:r>
-              <a:rPr lang="ko-KR" altLang="en-US" smtClean="0">
+              <a:rPr lang="en-US" altLang="ko-KR">
+                <a:solidFill>
+                  <a:sysClr val="windowText" lastClr="000000"/>
+                </a:solidFill>
+              </a:rPr>
+              <a:t>jsp </a:t>
+            </a:r>
+            <a:r>
+              <a:rPr lang="ko-KR" altLang="en-US">
                 <a:solidFill>
                   <a:sysClr val="windowText" lastClr="000000"/>
                 </a:solidFill>
               </a:rPr>
               <a:t>실습</a:t>
             </a:r>
-            <a:r>
-              <a:rPr lang="en-US" altLang="ko-KR">
-                <a:solidFill>
-                  <a:sysClr val="windowText" lastClr="000000"/>
-                </a:solidFill>
-              </a:rPr>
-              <a:t>3</a:t>
-            </a:r>
-            <a:endParaRPr lang="ko-KR" altLang="en-US">
-              <a:solidFill>
-                <a:sysClr val="windowText" lastClr="000000"/>
-              </a:solidFill>
-            </a:endParaRPr>
           </a:p>
         </p:txBody>
       </p:sp>
       <p:pic>
         <p:nvPicPr>
-          <p:cNvPr id="8" name="그림 7"/>
+          <p:cNvPr id="2" name="그림 1"/>
+          <p:cNvPicPr>
+            <a:picLocks noChangeAspect="1"/>
+          </p:cNvPicPr>
+          <p:nvPr/>
+        </p:nvPicPr>
+        <p:blipFill rotWithShape="1">
+          <a:blip r:embed="rId2"/>
+          <a:srcRect l="13354" r="13354"/>
+          <a:stretch/>
+        </p:blipFill>
+        <p:spPr>
+          <a:xfrm>
+            <a:off x="0" y="478326"/>
+            <a:ext cx="6263451" cy="4817574"/>
+          </a:xfrm>
+          <a:prstGeom prst="rect">
+            <a:avLst/>
+          </a:prstGeom>
+          <a:ln>
+            <a:solidFill>
+              <a:schemeClr val="accent1">
+                <a:lumMod val="40000"/>
+                <a:lumOff val="60000"/>
+              </a:schemeClr>
+            </a:solidFill>
+          </a:ln>
+        </p:spPr>
+      </p:pic>
+      <p:pic>
+        <p:nvPicPr>
+          <p:cNvPr id="3" name="그림 2"/>
           <p:cNvPicPr>
             <a:picLocks noChangeAspect="1"/>
           </p:cNvPicPr>
           <p:nvPr/>
         </p:nvPicPr>
         <p:blipFill>
-          <a:blip r:embed="rId2"/>
+          <a:blip r:embed="rId3"/>
           <a:stretch>
             <a:fillRect/>
           </a:stretch>
         </p:blipFill>
         <p:spPr>
           <a:xfrm>
-            <a:off x="-1" y="483326"/>
-            <a:ext cx="11572169" cy="6374674"/>
+            <a:off x="6305550" y="478326"/>
+            <a:ext cx="5876545" cy="4817574"/>
           </a:xfrm>
           <a:prstGeom prst="rect">
             <a:avLst/>
